--- a/doc/从促销引擎到微内核架构分享.pptx
+++ b/doc/从促销引擎到微内核架构分享.pptx
@@ -8,7 +8,7 @@
     <p:notesMasterId r:id="rId4"/>
   </p:notesMasterIdLst>
   <p:handoutMasterIdLst>
-    <p:handoutMasterId r:id="rId18"/>
+    <p:handoutMasterId r:id="rId20"/>
   </p:handoutMasterIdLst>
   <p:sldIdLst>
     <p:sldId id="257" r:id="rId3"/>
@@ -19,12 +19,14 @@
     <p:sldId id="415" r:id="rId9"/>
     <p:sldId id="420" r:id="rId10"/>
     <p:sldId id="382" r:id="rId11"/>
-    <p:sldId id="421" r:id="rId12"/>
-    <p:sldId id="418" r:id="rId13"/>
-    <p:sldId id="419" r:id="rId14"/>
-    <p:sldId id="284" r:id="rId15"/>
-    <p:sldId id="425" r:id="rId16"/>
-    <p:sldId id="338" r:id="rId17"/>
+    <p:sldId id="428" r:id="rId12"/>
+    <p:sldId id="421" r:id="rId13"/>
+    <p:sldId id="429" r:id="rId14"/>
+    <p:sldId id="418" r:id="rId15"/>
+    <p:sldId id="419" r:id="rId16"/>
+    <p:sldId id="284" r:id="rId17"/>
+    <p:sldId id="425" r:id="rId18"/>
+    <p:sldId id="338" r:id="rId19"/>
   </p:sldIdLst>
   <p:sldSz cx="12192000" cy="6858000"/>
   <p:notesSz cx="6858000" cy="9144000"/>
@@ -838,6 +840,94 @@
 </file>
 
 <file path=ppt/notesSlides/notesSlide13.xml><?xml version="1.0" encoding="utf-8"?>
+<p:notes xmlns:a="http://schemas.openxmlformats.org/drawingml/2006/main" xmlns:r="http://schemas.openxmlformats.org/officeDocument/2006/relationships" xmlns:p="http://schemas.openxmlformats.org/presentationml/2006/main">
+  <p:cSld>
+    <p:spTree>
+      <p:nvGrpSpPr>
+        <p:cNvPr id="1" name=""/>
+        <p:cNvGrpSpPr/>
+        <p:nvPr/>
+      </p:nvGrpSpPr>
+      <p:grpSpPr/>
+      <p:sp>
+        <p:nvSpPr>
+          <p:cNvPr id="2" name="幻灯片图像占位符 1"/>
+          <p:cNvSpPr/>
+          <p:nvPr>
+            <p:ph type="sldImg" idx="2"/>
+          </p:nvPr>
+        </p:nvSpPr>
+        <p:spPr/>
+      </p:sp>
+      <p:sp>
+        <p:nvSpPr>
+          <p:cNvPr id="3" name="文本占位符 2"/>
+          <p:cNvSpPr/>
+          <p:nvPr>
+            <p:ph type="body" idx="3"/>
+          </p:nvPr>
+        </p:nvSpPr>
+        <p:spPr/>
+        <p:txBody>
+          <a:bodyPr/>
+          <a:p>
+            <a:endParaRPr lang="zh-CN" altLang="en-US"/>
+          </a:p>
+        </p:txBody>
+      </p:sp>
+    </p:spTree>
+  </p:cSld>
+  <p:clrMapOvr>
+    <a:masterClrMapping/>
+  </p:clrMapOvr>
+</p:notes>
+</file>
+
+<file path=ppt/notesSlides/notesSlide14.xml><?xml version="1.0" encoding="utf-8"?>
+<p:notes xmlns:a="http://schemas.openxmlformats.org/drawingml/2006/main" xmlns:r="http://schemas.openxmlformats.org/officeDocument/2006/relationships" xmlns:p="http://schemas.openxmlformats.org/presentationml/2006/main">
+  <p:cSld>
+    <p:spTree>
+      <p:nvGrpSpPr>
+        <p:cNvPr id="1" name=""/>
+        <p:cNvGrpSpPr/>
+        <p:nvPr/>
+      </p:nvGrpSpPr>
+      <p:grpSpPr/>
+      <p:sp>
+        <p:nvSpPr>
+          <p:cNvPr id="2" name="幻灯片图像占位符 1"/>
+          <p:cNvSpPr/>
+          <p:nvPr>
+            <p:ph type="sldImg" idx="2"/>
+          </p:nvPr>
+        </p:nvSpPr>
+        <p:spPr/>
+      </p:sp>
+      <p:sp>
+        <p:nvSpPr>
+          <p:cNvPr id="3" name="文本占位符 2"/>
+          <p:cNvSpPr/>
+          <p:nvPr>
+            <p:ph type="body" idx="3"/>
+          </p:nvPr>
+        </p:nvSpPr>
+        <p:spPr/>
+        <p:txBody>
+          <a:bodyPr/>
+          <a:p>
+            <a:endParaRPr lang="zh-CN" altLang="en-US"/>
+          </a:p>
+        </p:txBody>
+      </p:sp>
+    </p:spTree>
+  </p:cSld>
+  <p:clrMapOvr>
+    <a:masterClrMapping/>
+  </p:clrMapOvr>
+</p:notes>
+</file>
+
+<file path=ppt/notesSlides/notesSlide15.xml><?xml version="1.0" encoding="utf-8"?>
 <p:notes xmlns:a="http://schemas.openxmlformats.org/drawingml/2006/main" xmlns:r="http://schemas.openxmlformats.org/officeDocument/2006/relationships" xmlns:p="http://schemas.openxmlformats.org/presentationml/2006/main">
   <p:cSld>
     <p:spTree>
@@ -5331,7 +5421,12 @@
             <p:ph type="title"/>
           </p:nvPr>
         </p:nvSpPr>
-        <p:spPr/>
+        <p:spPr>
+          <a:xfrm>
+            <a:off x="669882" y="444700"/>
+            <a:ext cx="10852237" cy="648000"/>
+          </a:xfrm>
+        </p:spPr>
         <p:txBody>
           <a:bodyPr anchor="ctr"/>
           <a:p>
@@ -5356,7 +5451,7 @@
         <p:spPr>
           <a:xfrm>
             <a:off x="669925" y="1216660"/>
-            <a:ext cx="4450080" cy="645160"/>
+            <a:ext cx="3034030" cy="368300"/>
           </a:xfrm>
           <a:prstGeom prst="rect">
             <a:avLst/>
@@ -5371,7 +5466,7 @@
             <a:pPr algn="l"/>
             <a:r>
               <a:rPr lang="zh-CN" altLang="en-US"/>
-              <a:t>千变万化的实现 </a:t>
+              <a:t>一切的基础 </a:t>
             </a:r>
             <a:r>
               <a:rPr lang="en-US" altLang="zh-CN"/>
@@ -5379,51 +5474,7 @@
             </a:r>
             <a:r>
               <a:rPr lang="zh-CN" altLang="en-US"/>
-              <a:t>组合模式</a:t>
-            </a:r>
-            <a:r>
-              <a:rPr lang="en-US" altLang="zh-CN"/>
-              <a:t>(</a:t>
-            </a:r>
-            <a:r>
-              <a:rPr lang="zh-CN" altLang="en-US"/>
-              <a:t>数据结构</a:t>
-            </a:r>
-            <a:r>
-              <a:rPr lang="en-US" altLang="zh-CN"/>
-              <a:t>)</a:t>
-            </a:r>
-            <a:r>
-              <a:rPr lang="zh-CN" altLang="en-US"/>
-              <a:t> </a:t>
-            </a:r>
-            <a:r>
-              <a:rPr lang="en-US" altLang="zh-CN"/>
-              <a:t>+ </a:t>
-            </a:r>
-            <a:endParaRPr lang="en-US" altLang="zh-CN"/>
-          </a:p>
-          <a:p>
-            <a:pPr algn="l"/>
-            <a:r>
-              <a:rPr lang="en-US" altLang="zh-CN"/>
-              <a:t>		</a:t>
-            </a:r>
-            <a:r>
-              <a:rPr lang="zh-CN" altLang="en-US"/>
-              <a:t>动态规划算法</a:t>
-            </a:r>
-            <a:r>
-              <a:rPr lang="en-US" altLang="zh-CN"/>
-              <a:t>(</a:t>
-            </a:r>
-            <a:r>
-              <a:rPr lang="zh-CN" altLang="en-US"/>
-              <a:t>验证算法</a:t>
-            </a:r>
-            <a:r>
-              <a:rPr lang="en-US" altLang="zh-CN"/>
-              <a:t>)</a:t>
+              <a:t>模板方法模式</a:t>
             </a:r>
             <a:endParaRPr lang="en-US" altLang="zh-CN"/>
           </a:p>
@@ -5445,8 +5496,8 @@
         </p:blipFill>
         <p:spPr>
           <a:xfrm>
-            <a:off x="669925" y="2597785"/>
-            <a:ext cx="4000363" cy="1440000"/>
+            <a:off x="3703955" y="1821180"/>
+            <a:ext cx="8227755" cy="4320000"/>
           </a:xfrm>
           <a:prstGeom prst="rect">
             <a:avLst/>
@@ -5469,8 +5520,8 @@
         </p:blipFill>
         <p:spPr>
           <a:xfrm>
-            <a:off x="5560695" y="142240"/>
-            <a:ext cx="5760000" cy="5829632"/>
+            <a:off x="236220" y="2075180"/>
+            <a:ext cx="2870200" cy="2857500"/>
           </a:xfrm>
           <a:prstGeom prst="rect">
             <a:avLst/>
@@ -5479,14 +5530,14 @@
       </p:pic>
       <p:sp>
         <p:nvSpPr>
-          <p:cNvPr id="5" name="文本框 4"/>
+          <p:cNvPr id="4" name="文本框 3"/>
           <p:cNvSpPr txBox="1"/>
           <p:nvPr/>
         </p:nvSpPr>
         <p:spPr>
           <a:xfrm>
-            <a:off x="785495" y="5211445"/>
-            <a:ext cx="2849880" cy="368300"/>
+            <a:off x="5777865" y="724535"/>
+            <a:ext cx="3078480" cy="368300"/>
           </a:xfrm>
           <a:prstGeom prst="rect">
             <a:avLst/>
@@ -5504,7 +5555,7 @@
                   <a:srgbClr val="FF0000"/>
                 </a:solidFill>
               </a:rPr>
-              <a:t>组合模式</a:t>
+              <a:t>唯一一个实现类</a:t>
             </a:r>
             <a:r>
               <a:rPr lang="en-US" altLang="zh-CN">
@@ -5520,7 +5571,7 @@
                   <a:srgbClr val="FF0000"/>
                 </a:solidFill>
               </a:rPr>
-              <a:t>结构型设计模式</a:t>
+              <a:t>结果集不算</a:t>
             </a:r>
             <a:r>
               <a:rPr lang="en-US" altLang="zh-CN">
@@ -5540,53 +5591,16 @@
       </p:sp>
       <p:sp>
         <p:nvSpPr>
-          <p:cNvPr id="6" name="文本框 5"/>
-          <p:cNvSpPr txBox="1"/>
-          <p:nvPr/>
-        </p:nvSpPr>
-        <p:spPr>
-          <a:xfrm>
-            <a:off x="9537700" y="1216660"/>
-            <a:ext cx="1554480" cy="368300"/>
-          </a:xfrm>
-          <a:prstGeom prst="rect">
-            <a:avLst/>
-          </a:prstGeom>
-          <a:noFill/>
-        </p:spPr>
-        <p:txBody>
-          <a:bodyPr wrap="none" rtlCol="0">
-            <a:spAutoFit/>
-          </a:bodyPr>
-          <a:p>
-            <a:r>
-              <a:rPr lang="zh-CN" altLang="en-US">
-                <a:solidFill>
-                  <a:srgbClr val="FF0000"/>
-                </a:solidFill>
-              </a:rPr>
-              <a:t>动态规划算法</a:t>
-            </a:r>
-            <a:endParaRPr lang="zh-CN" altLang="en-US">
-              <a:solidFill>
-                <a:srgbClr val="FF0000"/>
-              </a:solidFill>
-            </a:endParaRPr>
-          </a:p>
-        </p:txBody>
-      </p:sp>
-      <p:sp>
-        <p:nvSpPr>
-          <p:cNvPr id="7" name="上箭头 6"/>
+          <p:cNvPr id="5" name="下箭头 4"/>
           <p:cNvSpPr/>
           <p:nvPr/>
         </p:nvSpPr>
         <p:spPr>
           <a:xfrm>
-            <a:off x="2049145" y="4227195"/>
-            <a:ext cx="323215" cy="795655"/>
-          </a:xfrm>
-          <a:prstGeom prst="upArrow">
+            <a:off x="7108190" y="1309370"/>
+            <a:ext cx="260985" cy="410210"/>
+          </a:xfrm>
+          <a:prstGeom prst="downArrow">
             <a:avLst/>
           </a:prstGeom>
         </p:spPr>
@@ -5616,16 +5630,16 @@
       </p:sp>
       <p:sp>
         <p:nvSpPr>
-          <p:cNvPr id="8" name="下箭头 7"/>
+          <p:cNvPr id="6" name="右箭头 5"/>
           <p:cNvSpPr/>
           <p:nvPr/>
         </p:nvSpPr>
         <p:spPr>
           <a:xfrm>
-            <a:off x="10190480" y="1893570"/>
-            <a:ext cx="248285" cy="335280"/>
-          </a:xfrm>
-          <a:prstGeom prst="downArrow">
+            <a:off x="2807970" y="2874645"/>
+            <a:ext cx="1118235" cy="273685"/>
+          </a:xfrm>
+          <a:prstGeom prst="rightArrow">
             <a:avLst/>
           </a:prstGeom>
         </p:spPr>
@@ -5716,6 +5730,1303 @@
         <p:spPr>
           <a:xfrm>
             <a:off x="669925" y="1216660"/>
+            <a:ext cx="3116580" cy="368300"/>
+          </a:xfrm>
+          <a:prstGeom prst="rect">
+            <a:avLst/>
+          </a:prstGeom>
+          <a:noFill/>
+        </p:spPr>
+        <p:txBody>
+          <a:bodyPr wrap="none" rtlCol="0">
+            <a:spAutoFit/>
+          </a:bodyPr>
+          <a:p>
+            <a:pPr algn="l"/>
+            <a:r>
+              <a:rPr lang="zh-CN" altLang="en-US"/>
+              <a:t>从手撸一个</a:t>
+            </a:r>
+            <a:r>
+              <a:rPr lang="en-US" altLang="zh-CN"/>
+              <a:t>mini</a:t>
+            </a:r>
+            <a:r>
+              <a:rPr lang="zh-CN" altLang="en-US"/>
+              <a:t>促销引擎开始</a:t>
+            </a:r>
+            <a:endParaRPr lang="zh-CN" altLang="en-US"/>
+          </a:p>
+        </p:txBody>
+      </p:sp>
+      <p:sp>
+        <p:nvSpPr>
+          <p:cNvPr id="14" name="圆角矩形 13"/>
+          <p:cNvSpPr/>
+          <p:nvPr/>
+        </p:nvSpPr>
+        <p:spPr>
+          <a:xfrm>
+            <a:off x="1551940" y="1873885"/>
+            <a:ext cx="3623310" cy="2016760"/>
+          </a:xfrm>
+          <a:prstGeom prst="roundRect">
+            <a:avLst/>
+          </a:prstGeom>
+          <a:noFill/>
+          <a:ln w="12700" cmpd="sng">
+            <a:solidFill>
+              <a:schemeClr val="accent1">
+                <a:shade val="50000"/>
+              </a:schemeClr>
+            </a:solidFill>
+            <a:prstDash val="dash"/>
+          </a:ln>
+        </p:spPr>
+        <p:style>
+          <a:lnRef idx="2">
+            <a:schemeClr val="accent1">
+              <a:shade val="50000"/>
+            </a:schemeClr>
+          </a:lnRef>
+          <a:fillRef idx="1">
+            <a:schemeClr val="accent1"/>
+          </a:fillRef>
+          <a:effectRef idx="0">
+            <a:schemeClr val="accent1"/>
+          </a:effectRef>
+          <a:fontRef idx="minor">
+            <a:schemeClr val="lt1"/>
+          </a:fontRef>
+        </p:style>
+        <p:txBody>
+          <a:bodyPr rtlCol="0" anchor="ctr"/>
+          <a:p>
+            <a:pPr algn="ctr"/>
+            <a:endParaRPr lang="zh-CN" altLang="en-US"/>
+          </a:p>
+        </p:txBody>
+      </p:sp>
+      <p:sp>
+        <p:nvSpPr>
+          <p:cNvPr id="16" name="椭圆 15"/>
+          <p:cNvSpPr/>
+          <p:nvPr/>
+        </p:nvSpPr>
+        <p:spPr>
+          <a:xfrm>
+            <a:off x="1824990" y="2327910"/>
+            <a:ext cx="1330325" cy="1332000"/>
+          </a:xfrm>
+          <a:prstGeom prst="ellipse">
+            <a:avLst/>
+          </a:prstGeom>
+          <a:solidFill>
+            <a:srgbClr val="FF0000"/>
+          </a:solidFill>
+        </p:spPr>
+        <p:style>
+          <a:lnRef idx="2">
+            <a:schemeClr val="accent1">
+              <a:shade val="50000"/>
+            </a:schemeClr>
+          </a:lnRef>
+          <a:fillRef idx="1">
+            <a:schemeClr val="accent1"/>
+          </a:fillRef>
+          <a:effectRef idx="0">
+            <a:schemeClr val="accent1"/>
+          </a:effectRef>
+          <a:fontRef idx="minor">
+            <a:schemeClr val="lt1"/>
+          </a:fontRef>
+        </p:style>
+        <p:txBody>
+          <a:bodyPr rtlCol="0" anchor="ctr"/>
+          <a:p>
+            <a:pPr algn="ctr"/>
+            <a:endParaRPr lang="zh-CN" altLang="en-US">
+              <a:solidFill>
+                <a:srgbClr val="FF0000"/>
+              </a:solidFill>
+              <a:highlight>
+                <a:srgbClr val="FFFF00"/>
+              </a:highlight>
+            </a:endParaRPr>
+          </a:p>
+        </p:txBody>
+      </p:sp>
+      <p:sp>
+        <p:nvSpPr>
+          <p:cNvPr id="20" name="文本框 19"/>
+          <p:cNvSpPr txBox="1"/>
+          <p:nvPr/>
+        </p:nvSpPr>
+        <p:spPr>
+          <a:xfrm>
+            <a:off x="1916430" y="2809875"/>
+            <a:ext cx="1148080" cy="368300"/>
+          </a:xfrm>
+          <a:prstGeom prst="rect">
+            <a:avLst/>
+          </a:prstGeom>
+          <a:noFill/>
+        </p:spPr>
+        <p:txBody>
+          <a:bodyPr wrap="none" rtlCol="0">
+            <a:spAutoFit/>
+          </a:bodyPr>
+          <a:p>
+            <a:pPr algn="l"/>
+            <a:r>
+              <a:t>Condition</a:t>
+            </a:r>
+          </a:p>
+        </p:txBody>
+      </p:sp>
+      <p:sp>
+        <p:nvSpPr>
+          <p:cNvPr id="21" name="椭圆 20"/>
+          <p:cNvSpPr/>
+          <p:nvPr/>
+        </p:nvSpPr>
+        <p:spPr>
+          <a:xfrm>
+            <a:off x="3571875" y="2318385"/>
+            <a:ext cx="1330325" cy="1332000"/>
+          </a:xfrm>
+          <a:prstGeom prst="ellipse">
+            <a:avLst/>
+          </a:prstGeom>
+        </p:spPr>
+        <p:style>
+          <a:lnRef idx="2">
+            <a:schemeClr val="accent1">
+              <a:shade val="50000"/>
+            </a:schemeClr>
+          </a:lnRef>
+          <a:fillRef idx="1">
+            <a:schemeClr val="accent1"/>
+          </a:fillRef>
+          <a:effectRef idx="0">
+            <a:schemeClr val="accent1"/>
+          </a:effectRef>
+          <a:fontRef idx="minor">
+            <a:schemeClr val="lt1"/>
+          </a:fontRef>
+        </p:style>
+        <p:txBody>
+          <a:bodyPr rtlCol="0" anchor="ctr"/>
+          <a:p>
+            <a:pPr algn="ctr"/>
+            <a:endParaRPr lang="zh-CN" altLang="en-US"/>
+          </a:p>
+        </p:txBody>
+      </p:sp>
+      <p:sp>
+        <p:nvSpPr>
+          <p:cNvPr id="22" name="文本框 21"/>
+          <p:cNvSpPr txBox="1"/>
+          <p:nvPr/>
+        </p:nvSpPr>
+        <p:spPr>
+          <a:xfrm>
+            <a:off x="3862705" y="2793365"/>
+            <a:ext cx="817880" cy="368300"/>
+          </a:xfrm>
+          <a:prstGeom prst="rect">
+            <a:avLst/>
+          </a:prstGeom>
+          <a:noFill/>
+        </p:spPr>
+        <p:txBody>
+          <a:bodyPr wrap="none" rtlCol="0">
+            <a:spAutoFit/>
+          </a:bodyPr>
+          <a:p>
+            <a:pPr algn="l"/>
+            <a:r>
+              <a:t>Action</a:t>
+            </a:r>
+          </a:p>
+        </p:txBody>
+      </p:sp>
+      <p:sp>
+        <p:nvSpPr>
+          <p:cNvPr id="24" name="文本框 23"/>
+          <p:cNvSpPr txBox="1"/>
+          <p:nvPr/>
+        </p:nvSpPr>
+        <p:spPr>
+          <a:xfrm>
+            <a:off x="2762250" y="1962785"/>
+            <a:ext cx="1529080" cy="368300"/>
+          </a:xfrm>
+          <a:prstGeom prst="rect">
+            <a:avLst/>
+          </a:prstGeom>
+          <a:noFill/>
+        </p:spPr>
+        <p:txBody>
+          <a:bodyPr wrap="none" rtlCol="0">
+            <a:spAutoFit/>
+          </a:bodyPr>
+          <a:p>
+            <a:pPr algn="l"/>
+            <a:r>
+              <a:rPr lang="zh-CN" altLang="en-US"/>
+              <a:t>PromotionBill</a:t>
+            </a:r>
+            <a:endParaRPr lang="zh-CN" altLang="en-US"/>
+          </a:p>
+        </p:txBody>
+      </p:sp>
+      <p:sp>
+        <p:nvSpPr>
+          <p:cNvPr id="32" name="圆角矩形 31"/>
+          <p:cNvSpPr/>
+          <p:nvPr/>
+        </p:nvSpPr>
+        <p:spPr>
+          <a:xfrm>
+            <a:off x="6587490" y="1784985"/>
+            <a:ext cx="3623310" cy="2105660"/>
+          </a:xfrm>
+          <a:prstGeom prst="roundRect">
+            <a:avLst/>
+          </a:prstGeom>
+          <a:noFill/>
+          <a:ln w="12700" cmpd="sng">
+            <a:solidFill>
+              <a:schemeClr val="accent1">
+                <a:shade val="50000"/>
+              </a:schemeClr>
+            </a:solidFill>
+            <a:prstDash val="dash"/>
+          </a:ln>
+        </p:spPr>
+        <p:style>
+          <a:lnRef idx="2">
+            <a:schemeClr val="accent1">
+              <a:shade val="50000"/>
+            </a:schemeClr>
+          </a:lnRef>
+          <a:fillRef idx="1">
+            <a:schemeClr val="accent1"/>
+          </a:fillRef>
+          <a:effectRef idx="0">
+            <a:schemeClr val="accent1"/>
+          </a:effectRef>
+          <a:fontRef idx="minor">
+            <a:schemeClr val="lt1"/>
+          </a:fontRef>
+        </p:style>
+        <p:txBody>
+          <a:bodyPr rtlCol="0" anchor="ctr"/>
+          <a:p>
+            <a:pPr algn="ctr"/>
+            <a:endParaRPr lang="zh-CN" altLang="en-US"/>
+          </a:p>
+        </p:txBody>
+      </p:sp>
+      <p:sp>
+        <p:nvSpPr>
+          <p:cNvPr id="33" name="椭圆 32"/>
+          <p:cNvSpPr/>
+          <p:nvPr/>
+        </p:nvSpPr>
+        <p:spPr>
+          <a:xfrm>
+            <a:off x="6860540" y="2239010"/>
+            <a:ext cx="1330325" cy="1332000"/>
+          </a:xfrm>
+          <a:prstGeom prst="ellipse">
+            <a:avLst/>
+          </a:prstGeom>
+          <a:solidFill>
+            <a:srgbClr val="FF0000"/>
+          </a:solidFill>
+        </p:spPr>
+        <p:style>
+          <a:lnRef idx="2">
+            <a:schemeClr val="accent1">
+              <a:shade val="50000"/>
+            </a:schemeClr>
+          </a:lnRef>
+          <a:fillRef idx="1">
+            <a:schemeClr val="accent1"/>
+          </a:fillRef>
+          <a:effectRef idx="0">
+            <a:schemeClr val="accent1"/>
+          </a:effectRef>
+          <a:fontRef idx="minor">
+            <a:schemeClr val="lt1"/>
+          </a:fontRef>
+        </p:style>
+        <p:txBody>
+          <a:bodyPr rtlCol="0" anchor="ctr"/>
+          <a:p>
+            <a:pPr algn="ctr"/>
+            <a:endParaRPr lang="zh-CN" altLang="en-US">
+              <a:solidFill>
+                <a:srgbClr val="FF0000"/>
+              </a:solidFill>
+              <a:highlight>
+                <a:srgbClr val="FFFF00"/>
+              </a:highlight>
+            </a:endParaRPr>
+          </a:p>
+        </p:txBody>
+      </p:sp>
+      <p:sp>
+        <p:nvSpPr>
+          <p:cNvPr id="34" name="文本框 33"/>
+          <p:cNvSpPr txBox="1"/>
+          <p:nvPr/>
+        </p:nvSpPr>
+        <p:spPr>
+          <a:xfrm>
+            <a:off x="7021195" y="2720975"/>
+            <a:ext cx="1008380" cy="368300"/>
+          </a:xfrm>
+          <a:prstGeom prst="rect">
+            <a:avLst/>
+          </a:prstGeom>
+          <a:noFill/>
+        </p:spPr>
+        <p:txBody>
+          <a:bodyPr wrap="none" rtlCol="0">
+            <a:spAutoFit/>
+          </a:bodyPr>
+          <a:p>
+            <a:pPr algn="l"/>
+            <a:r>
+              <a:t>Matcher</a:t>
+            </a:r>
+          </a:p>
+        </p:txBody>
+      </p:sp>
+      <p:sp>
+        <p:nvSpPr>
+          <p:cNvPr id="35" name="椭圆 34"/>
+          <p:cNvSpPr/>
+          <p:nvPr/>
+        </p:nvSpPr>
+        <p:spPr>
+          <a:xfrm>
+            <a:off x="8629015" y="2239010"/>
+            <a:ext cx="1330325" cy="1332000"/>
+          </a:xfrm>
+          <a:prstGeom prst="ellipse">
+            <a:avLst/>
+          </a:prstGeom>
+          <a:solidFill>
+            <a:srgbClr val="FF0000"/>
+          </a:solidFill>
+        </p:spPr>
+        <p:style>
+          <a:lnRef idx="2">
+            <a:schemeClr val="accent1">
+              <a:shade val="50000"/>
+            </a:schemeClr>
+          </a:lnRef>
+          <a:fillRef idx="1">
+            <a:schemeClr val="accent1"/>
+          </a:fillRef>
+          <a:effectRef idx="0">
+            <a:schemeClr val="accent1"/>
+          </a:effectRef>
+          <a:fontRef idx="minor">
+            <a:schemeClr val="lt1"/>
+          </a:fontRef>
+        </p:style>
+        <p:txBody>
+          <a:bodyPr rtlCol="0" anchor="ctr"/>
+          <a:p>
+            <a:pPr algn="ctr"/>
+            <a:endParaRPr lang="zh-CN" altLang="en-US">
+              <a:solidFill>
+                <a:srgbClr val="FF0000"/>
+              </a:solidFill>
+              <a:highlight>
+                <a:srgbClr val="FFFF00"/>
+              </a:highlight>
+            </a:endParaRPr>
+          </a:p>
+        </p:txBody>
+      </p:sp>
+      <p:sp>
+        <p:nvSpPr>
+          <p:cNvPr id="36" name="文本框 35"/>
+          <p:cNvSpPr txBox="1"/>
+          <p:nvPr/>
+        </p:nvSpPr>
+        <p:spPr>
+          <a:xfrm>
+            <a:off x="8701405" y="2720975"/>
+            <a:ext cx="1186180" cy="368300"/>
+          </a:xfrm>
+          <a:prstGeom prst="rect">
+            <a:avLst/>
+          </a:prstGeom>
+          <a:noFill/>
+        </p:spPr>
+        <p:txBody>
+          <a:bodyPr wrap="none" rtlCol="0">
+            <a:spAutoFit/>
+          </a:bodyPr>
+          <a:p>
+            <a:pPr algn="l"/>
+            <a:r>
+              <a:rPr lang="en-US"/>
+              <a:t>**</a:t>
+            </a:r>
+            <a:r>
+              <a:t>Matcher</a:t>
+            </a:r>
+          </a:p>
+        </p:txBody>
+      </p:sp>
+      <p:sp>
+        <p:nvSpPr>
+          <p:cNvPr id="37" name="文本框 36"/>
+          <p:cNvSpPr txBox="1"/>
+          <p:nvPr/>
+        </p:nvSpPr>
+        <p:spPr>
+          <a:xfrm>
+            <a:off x="7704455" y="1873885"/>
+            <a:ext cx="2011680" cy="368300"/>
+          </a:xfrm>
+          <a:prstGeom prst="rect">
+            <a:avLst/>
+          </a:prstGeom>
+          <a:noFill/>
+        </p:spPr>
+        <p:txBody>
+          <a:bodyPr wrap="none" rtlCol="0">
+            <a:spAutoFit/>
+          </a:bodyPr>
+          <a:p>
+            <a:pPr algn="l"/>
+            <a:r>
+              <a:rPr lang="zh-CN" altLang="en-US"/>
+              <a:t>PromotionContext</a:t>
+            </a:r>
+            <a:endParaRPr lang="zh-CN" altLang="en-US"/>
+          </a:p>
+        </p:txBody>
+      </p:sp>
+      <p:sp>
+        <p:nvSpPr>
+          <p:cNvPr id="38" name="下箭头 37"/>
+          <p:cNvSpPr/>
+          <p:nvPr/>
+        </p:nvSpPr>
+        <p:spPr>
+          <a:xfrm>
+            <a:off x="5607685" y="3084195"/>
+            <a:ext cx="547370" cy="945515"/>
+          </a:xfrm>
+          <a:prstGeom prst="downArrow">
+            <a:avLst/>
+          </a:prstGeom>
+        </p:spPr>
+        <p:style>
+          <a:lnRef idx="2">
+            <a:schemeClr val="accent1">
+              <a:shade val="50000"/>
+            </a:schemeClr>
+          </a:lnRef>
+          <a:fillRef idx="1">
+            <a:schemeClr val="accent1"/>
+          </a:fillRef>
+          <a:effectRef idx="0">
+            <a:schemeClr val="accent1"/>
+          </a:effectRef>
+          <a:fontRef idx="minor">
+            <a:schemeClr val="lt1"/>
+          </a:fontRef>
+        </p:style>
+        <p:txBody>
+          <a:bodyPr rtlCol="0" anchor="ctr"/>
+          <a:p>
+            <a:pPr algn="ctr"/>
+            <a:endParaRPr lang="zh-CN" altLang="en-US"/>
+          </a:p>
+        </p:txBody>
+      </p:sp>
+      <p:sp>
+        <p:nvSpPr>
+          <p:cNvPr id="39" name="圆角矩形 38"/>
+          <p:cNvSpPr/>
+          <p:nvPr/>
+        </p:nvSpPr>
+        <p:spPr>
+          <a:xfrm>
+            <a:off x="3156585" y="4268470"/>
+            <a:ext cx="5338445" cy="1853565"/>
+          </a:xfrm>
+          <a:prstGeom prst="roundRect">
+            <a:avLst/>
+          </a:prstGeom>
+          <a:noFill/>
+          <a:ln w="12700" cmpd="sng">
+            <a:solidFill>
+              <a:schemeClr val="accent1">
+                <a:shade val="50000"/>
+              </a:schemeClr>
+            </a:solidFill>
+            <a:prstDash val="dash"/>
+          </a:ln>
+        </p:spPr>
+        <p:style>
+          <a:lnRef idx="2">
+            <a:schemeClr val="accent1">
+              <a:shade val="50000"/>
+            </a:schemeClr>
+          </a:lnRef>
+          <a:fillRef idx="1">
+            <a:schemeClr val="accent1"/>
+          </a:fillRef>
+          <a:effectRef idx="0">
+            <a:schemeClr val="accent1"/>
+          </a:effectRef>
+          <a:fontRef idx="minor">
+            <a:schemeClr val="lt1"/>
+          </a:fontRef>
+        </p:style>
+        <p:txBody>
+          <a:bodyPr rtlCol="0" anchor="ctr"/>
+          <a:p>
+            <a:pPr algn="ctr"/>
+            <a:endParaRPr lang="zh-CN" altLang="en-US"/>
+          </a:p>
+        </p:txBody>
+      </p:sp>
+      <p:sp>
+        <p:nvSpPr>
+          <p:cNvPr id="40" name="椭圆 39"/>
+          <p:cNvSpPr/>
+          <p:nvPr/>
+        </p:nvSpPr>
+        <p:spPr>
+          <a:xfrm>
+            <a:off x="3429635" y="4636770"/>
+            <a:ext cx="1330325" cy="1332000"/>
+          </a:xfrm>
+          <a:prstGeom prst="ellipse">
+            <a:avLst/>
+          </a:prstGeom>
+        </p:spPr>
+        <p:style>
+          <a:lnRef idx="2">
+            <a:schemeClr val="accent1">
+              <a:shade val="50000"/>
+            </a:schemeClr>
+          </a:lnRef>
+          <a:fillRef idx="1">
+            <a:schemeClr val="accent1"/>
+          </a:fillRef>
+          <a:effectRef idx="0">
+            <a:schemeClr val="accent1"/>
+          </a:effectRef>
+          <a:fontRef idx="minor">
+            <a:schemeClr val="lt1"/>
+          </a:fontRef>
+        </p:style>
+        <p:txBody>
+          <a:bodyPr rtlCol="0" anchor="ctr"/>
+          <a:p>
+            <a:pPr algn="ctr"/>
+            <a:endParaRPr lang="zh-CN" altLang="en-US"/>
+          </a:p>
+        </p:txBody>
+      </p:sp>
+      <p:sp>
+        <p:nvSpPr>
+          <p:cNvPr id="41" name="文本框 40"/>
+          <p:cNvSpPr txBox="1"/>
+          <p:nvPr/>
+        </p:nvSpPr>
+        <p:spPr>
+          <a:xfrm>
+            <a:off x="3685540" y="5118735"/>
+            <a:ext cx="817880" cy="368300"/>
+          </a:xfrm>
+          <a:prstGeom prst="rect">
+            <a:avLst/>
+          </a:prstGeom>
+          <a:noFill/>
+        </p:spPr>
+        <p:txBody>
+          <a:bodyPr wrap="none" rtlCol="0">
+            <a:spAutoFit/>
+          </a:bodyPr>
+          <a:p>
+            <a:pPr algn="l"/>
+            <a:r>
+              <a:rPr>
+                <a:sym typeface="+mn-ea"/>
+              </a:rPr>
+              <a:t>Action</a:t>
+            </a:r>
+            <a:endParaRPr>
+              <a:sym typeface="+mn-ea"/>
+            </a:endParaRPr>
+          </a:p>
+        </p:txBody>
+      </p:sp>
+      <p:sp>
+        <p:nvSpPr>
+          <p:cNvPr id="42" name="椭圆 41"/>
+          <p:cNvSpPr/>
+          <p:nvPr/>
+        </p:nvSpPr>
+        <p:spPr>
+          <a:xfrm>
+            <a:off x="5198110" y="4636770"/>
+            <a:ext cx="1330325" cy="1332000"/>
+          </a:xfrm>
+          <a:prstGeom prst="ellipse">
+            <a:avLst/>
+          </a:prstGeom>
+        </p:spPr>
+        <p:style>
+          <a:lnRef idx="2">
+            <a:schemeClr val="accent1">
+              <a:shade val="50000"/>
+            </a:schemeClr>
+          </a:lnRef>
+          <a:fillRef idx="1">
+            <a:schemeClr val="accent1"/>
+          </a:fillRef>
+          <a:effectRef idx="0">
+            <a:schemeClr val="accent1"/>
+          </a:effectRef>
+          <a:fontRef idx="minor">
+            <a:schemeClr val="lt1"/>
+          </a:fontRef>
+        </p:style>
+        <p:txBody>
+          <a:bodyPr rtlCol="0" anchor="ctr"/>
+          <a:p>
+            <a:pPr algn="ctr"/>
+            <a:endParaRPr lang="zh-CN" altLang="en-US"/>
+          </a:p>
+        </p:txBody>
+      </p:sp>
+      <p:sp>
+        <p:nvSpPr>
+          <p:cNvPr id="43" name="文本框 42"/>
+          <p:cNvSpPr txBox="1"/>
+          <p:nvPr/>
+        </p:nvSpPr>
+        <p:spPr>
+          <a:xfrm>
+            <a:off x="5383530" y="5114290"/>
+            <a:ext cx="995680" cy="368300"/>
+          </a:xfrm>
+          <a:prstGeom prst="rect">
+            <a:avLst/>
+          </a:prstGeom>
+          <a:noFill/>
+        </p:spPr>
+        <p:txBody>
+          <a:bodyPr wrap="none" rtlCol="0">
+            <a:spAutoFit/>
+          </a:bodyPr>
+          <a:p>
+            <a:pPr algn="l"/>
+            <a:r>
+              <a:rPr lang="en-US"/>
+              <a:t>**</a:t>
+            </a:r>
+            <a:r>
+              <a:t>Action</a:t>
+            </a:r>
+          </a:p>
+        </p:txBody>
+      </p:sp>
+      <p:sp>
+        <p:nvSpPr>
+          <p:cNvPr id="44" name="文本框 43"/>
+          <p:cNvSpPr txBox="1"/>
+          <p:nvPr/>
+        </p:nvSpPr>
+        <p:spPr>
+          <a:xfrm>
+            <a:off x="4640580" y="4343400"/>
+            <a:ext cx="830580" cy="368300"/>
+          </a:xfrm>
+          <a:prstGeom prst="rect">
+            <a:avLst/>
+          </a:prstGeom>
+          <a:noFill/>
+        </p:spPr>
+        <p:txBody>
+          <a:bodyPr wrap="none" rtlCol="0">
+            <a:spAutoFit/>
+          </a:bodyPr>
+          <a:p>
+            <a:pPr algn="l"/>
+            <a:r>
+              <a:rPr lang="en-US" altLang="zh-CN"/>
+              <a:t>Result</a:t>
+            </a:r>
+            <a:endParaRPr lang="en-US" altLang="zh-CN"/>
+          </a:p>
+        </p:txBody>
+      </p:sp>
+      <p:sp>
+        <p:nvSpPr>
+          <p:cNvPr id="45" name="椭圆 44"/>
+          <p:cNvSpPr/>
+          <p:nvPr/>
+        </p:nvSpPr>
+        <p:spPr>
+          <a:xfrm>
+            <a:off x="6834505" y="4652010"/>
+            <a:ext cx="1330325" cy="1332000"/>
+          </a:xfrm>
+          <a:prstGeom prst="ellipse">
+            <a:avLst/>
+          </a:prstGeom>
+        </p:spPr>
+        <p:style>
+          <a:lnRef idx="2">
+            <a:schemeClr val="accent1">
+              <a:shade val="50000"/>
+            </a:schemeClr>
+          </a:lnRef>
+          <a:fillRef idx="1">
+            <a:schemeClr val="accent1"/>
+          </a:fillRef>
+          <a:effectRef idx="0">
+            <a:schemeClr val="accent1"/>
+          </a:effectRef>
+          <a:fontRef idx="minor">
+            <a:schemeClr val="lt1"/>
+          </a:fontRef>
+        </p:style>
+        <p:txBody>
+          <a:bodyPr rtlCol="0" anchor="ctr"/>
+          <a:p>
+            <a:pPr algn="ctr"/>
+            <a:endParaRPr lang="zh-CN" altLang="en-US"/>
+          </a:p>
+        </p:txBody>
+      </p:sp>
+      <p:sp>
+        <p:nvSpPr>
+          <p:cNvPr id="46" name="文本框 45"/>
+          <p:cNvSpPr txBox="1"/>
+          <p:nvPr/>
+        </p:nvSpPr>
+        <p:spPr>
+          <a:xfrm>
+            <a:off x="7290435" y="5133975"/>
+            <a:ext cx="436880" cy="368300"/>
+          </a:xfrm>
+          <a:prstGeom prst="rect">
+            <a:avLst/>
+          </a:prstGeom>
+          <a:noFill/>
+        </p:spPr>
+        <p:txBody>
+          <a:bodyPr wrap="none" rtlCol="0">
+            <a:spAutoFit/>
+          </a:bodyPr>
+          <a:p>
+            <a:pPr algn="l"/>
+            <a:r>
+              <a:rPr lang="en-US"/>
+              <a:t>....</a:t>
+            </a:r>
+            <a:endParaRPr lang="en-US"/>
+          </a:p>
+        </p:txBody>
+      </p:sp>
+      <p:sp>
+        <p:nvSpPr>
+          <p:cNvPr id="47" name="文本框 46"/>
+          <p:cNvSpPr txBox="1"/>
+          <p:nvPr/>
+        </p:nvSpPr>
+        <p:spPr>
+          <a:xfrm>
+            <a:off x="5430520" y="2477135"/>
+            <a:ext cx="894080" cy="368300"/>
+          </a:xfrm>
+          <a:prstGeom prst="rect">
+            <a:avLst/>
+          </a:prstGeom>
+          <a:noFill/>
+        </p:spPr>
+        <p:txBody>
+          <a:bodyPr wrap="none" rtlCol="0">
+            <a:spAutoFit/>
+          </a:bodyPr>
+          <a:p>
+            <a:r>
+              <a:rPr lang="en-US" altLang="zh-CN"/>
+              <a:t>Engine</a:t>
+            </a:r>
+            <a:endParaRPr lang="en-US" altLang="zh-CN"/>
+          </a:p>
+        </p:txBody>
+      </p:sp>
+    </p:spTree>
+  </p:cSld>
+  <p:clrMapOvr>
+    <a:masterClrMapping/>
+  </p:clrMapOvr>
+  <p:transition>
+    <p:fade/>
+  </p:transition>
+  <p:timing>
+    <p:tnLst>
+      <p:par>
+        <p:cTn id="1" dur="indefinite" restart="never" nodeType="tmRoot"/>
+      </p:par>
+    </p:tnLst>
+  </p:timing>
+</p:sld>
+</file>
+
+<file path=ppt/slides/slide12.xml><?xml version="1.0" encoding="utf-8"?>
+<p:sld xmlns:a="http://schemas.openxmlformats.org/drawingml/2006/main" xmlns:r="http://schemas.openxmlformats.org/officeDocument/2006/relationships" xmlns:p="http://schemas.openxmlformats.org/presentationml/2006/main">
+  <p:cSld>
+    <p:spTree>
+      <p:nvGrpSpPr>
+        <p:cNvPr id="1" name=""/>
+        <p:cNvGrpSpPr/>
+        <p:nvPr/>
+      </p:nvGrpSpPr>
+      <p:grpSpPr/>
+      <p:sp>
+        <p:nvSpPr>
+          <p:cNvPr id="4097" name="标题 1"/>
+          <p:cNvSpPr>
+            <a:spLocks noGrp="1"/>
+          </p:cNvSpPr>
+          <p:nvPr>
+            <p:ph type="title"/>
+          </p:nvPr>
+        </p:nvSpPr>
+        <p:spPr/>
+        <p:txBody>
+          <a:bodyPr anchor="ctr"/>
+          <a:p>
+            <a:r>
+              <a:rPr lang="en-US" altLang="zh-CN">
+                <a:sym typeface="+mn-ea"/>
+              </a:rPr>
+              <a:t>know Why</a:t>
+            </a:r>
+            <a:endParaRPr lang="en-US" altLang="zh-CN">
+              <a:sym typeface="+mn-ea"/>
+            </a:endParaRPr>
+          </a:p>
+        </p:txBody>
+      </p:sp>
+      <p:sp>
+        <p:nvSpPr>
+          <p:cNvPr id="19" name="文本框 18"/>
+          <p:cNvSpPr txBox="1"/>
+          <p:nvPr/>
+        </p:nvSpPr>
+        <p:spPr>
+          <a:xfrm>
+            <a:off x="669925" y="1216660"/>
+            <a:ext cx="4646930" cy="922020"/>
+          </a:xfrm>
+          <a:prstGeom prst="rect">
+            <a:avLst/>
+          </a:prstGeom>
+          <a:noFill/>
+        </p:spPr>
+        <p:txBody>
+          <a:bodyPr wrap="none" rtlCol="0">
+            <a:spAutoFit/>
+          </a:bodyPr>
+          <a:p>
+            <a:pPr algn="l"/>
+            <a:r>
+              <a:rPr lang="zh-CN" altLang="en-US"/>
+              <a:t>千变万化的实现 </a:t>
+            </a:r>
+            <a:r>
+              <a:rPr lang="en-US" altLang="zh-CN"/>
+              <a:t>-&gt; </a:t>
+            </a:r>
+            <a:r>
+              <a:rPr lang="zh-CN" altLang="en-US"/>
+              <a:t>组合模式</a:t>
+            </a:r>
+            <a:r>
+              <a:rPr lang="en-US" altLang="zh-CN"/>
+              <a:t>(</a:t>
+            </a:r>
+            <a:r>
+              <a:rPr lang="zh-CN" altLang="en-US"/>
+              <a:t>数据结构</a:t>
+            </a:r>
+            <a:r>
+              <a:rPr lang="en-US" altLang="zh-CN"/>
+              <a:t>)</a:t>
+            </a:r>
+            <a:r>
+              <a:rPr lang="zh-CN" altLang="en-US"/>
+              <a:t> </a:t>
+            </a:r>
+            <a:r>
+              <a:rPr lang="en-US" altLang="zh-CN"/>
+              <a:t>+ </a:t>
+            </a:r>
+            <a:endParaRPr lang="en-US" altLang="zh-CN"/>
+          </a:p>
+          <a:p>
+            <a:pPr algn="l"/>
+            <a:r>
+              <a:rPr lang="en-US" altLang="zh-CN"/>
+              <a:t>		</a:t>
+            </a:r>
+            <a:r>
+              <a:rPr lang="zh-CN" altLang="en-US"/>
+              <a:t>动态规划算法</a:t>
+            </a:r>
+            <a:r>
+              <a:rPr lang="en-US" altLang="zh-CN"/>
+              <a:t>(</a:t>
+            </a:r>
+            <a:r>
+              <a:rPr lang="zh-CN" altLang="en-US"/>
+              <a:t>验证算法</a:t>
+            </a:r>
+            <a:r>
+              <a:rPr lang="en-US" altLang="zh-CN"/>
+              <a:t>) +</a:t>
+            </a:r>
+            <a:endParaRPr lang="en-US" altLang="zh-CN"/>
+          </a:p>
+          <a:p>
+            <a:pPr algn="l"/>
+            <a:r>
+              <a:rPr lang="en-US" altLang="zh-CN"/>
+              <a:t>		</a:t>
+            </a:r>
+            <a:r>
+              <a:rPr lang="zh-CN" altLang="en-US"/>
+              <a:t>策略模式</a:t>
+            </a:r>
+            <a:endParaRPr lang="zh-CN" altLang="en-US"/>
+          </a:p>
+        </p:txBody>
+      </p:sp>
+      <p:pic>
+        <p:nvPicPr>
+          <p:cNvPr id="2" name="图片 1"/>
+          <p:cNvPicPr>
+            <a:picLocks noChangeAspect="1"/>
+          </p:cNvPicPr>
+          <p:nvPr/>
+        </p:nvPicPr>
+        <p:blipFill>
+          <a:blip r:embed="rId1"/>
+          <a:stretch>
+            <a:fillRect/>
+          </a:stretch>
+        </p:blipFill>
+        <p:spPr>
+          <a:xfrm>
+            <a:off x="669925" y="2597785"/>
+            <a:ext cx="4000363" cy="1440000"/>
+          </a:xfrm>
+          <a:prstGeom prst="rect">
+            <a:avLst/>
+          </a:prstGeom>
+        </p:spPr>
+      </p:pic>
+      <p:pic>
+        <p:nvPicPr>
+          <p:cNvPr id="3" name="图片 2"/>
+          <p:cNvPicPr>
+            <a:picLocks noChangeAspect="1"/>
+          </p:cNvPicPr>
+          <p:nvPr/>
+        </p:nvPicPr>
+        <p:blipFill>
+          <a:blip r:embed="rId2"/>
+          <a:stretch>
+            <a:fillRect/>
+          </a:stretch>
+        </p:blipFill>
+        <p:spPr>
+          <a:xfrm>
+            <a:off x="5560695" y="142240"/>
+            <a:ext cx="5760000" cy="5829632"/>
+          </a:xfrm>
+          <a:prstGeom prst="rect">
+            <a:avLst/>
+          </a:prstGeom>
+        </p:spPr>
+      </p:pic>
+      <p:sp>
+        <p:nvSpPr>
+          <p:cNvPr id="5" name="文本框 4"/>
+          <p:cNvSpPr txBox="1"/>
+          <p:nvPr/>
+        </p:nvSpPr>
+        <p:spPr>
+          <a:xfrm>
+            <a:off x="785495" y="5211445"/>
+            <a:ext cx="2849880" cy="368300"/>
+          </a:xfrm>
+          <a:prstGeom prst="rect">
+            <a:avLst/>
+          </a:prstGeom>
+          <a:noFill/>
+        </p:spPr>
+        <p:txBody>
+          <a:bodyPr wrap="none" rtlCol="0">
+            <a:spAutoFit/>
+          </a:bodyPr>
+          <a:p>
+            <a:r>
+              <a:rPr lang="zh-CN" altLang="en-US">
+                <a:solidFill>
+                  <a:srgbClr val="FF0000"/>
+                </a:solidFill>
+              </a:rPr>
+              <a:t>组合模式</a:t>
+            </a:r>
+            <a:r>
+              <a:rPr lang="en-US" altLang="zh-CN">
+                <a:solidFill>
+                  <a:srgbClr val="FF0000"/>
+                </a:solidFill>
+              </a:rPr>
+              <a:t>(</a:t>
+            </a:r>
+            <a:r>
+              <a:rPr lang="zh-CN" altLang="en-US">
+                <a:solidFill>
+                  <a:srgbClr val="FF0000"/>
+                </a:solidFill>
+              </a:rPr>
+              <a:t>结构型设计模式</a:t>
+            </a:r>
+            <a:r>
+              <a:rPr lang="en-US" altLang="zh-CN">
+                <a:solidFill>
+                  <a:srgbClr val="FF0000"/>
+                </a:solidFill>
+              </a:rPr>
+              <a:t>)</a:t>
+            </a:r>
+            <a:endParaRPr lang="en-US" altLang="zh-CN">
+              <a:solidFill>
+                <a:srgbClr val="FF0000"/>
+              </a:solidFill>
+            </a:endParaRPr>
+          </a:p>
+        </p:txBody>
+      </p:sp>
+      <p:sp>
+        <p:nvSpPr>
+          <p:cNvPr id="6" name="文本框 5"/>
+          <p:cNvSpPr txBox="1"/>
+          <p:nvPr/>
+        </p:nvSpPr>
+        <p:spPr>
+          <a:xfrm>
+            <a:off x="8591550" y="1216660"/>
+            <a:ext cx="2729230" cy="368300"/>
+          </a:xfrm>
+          <a:prstGeom prst="rect">
+            <a:avLst/>
+          </a:prstGeom>
+          <a:noFill/>
+        </p:spPr>
+        <p:txBody>
+          <a:bodyPr wrap="none" rtlCol="0">
+            <a:spAutoFit/>
+          </a:bodyPr>
+          <a:p>
+            <a:r>
+              <a:rPr lang="zh-CN" altLang="en-US">
+                <a:solidFill>
+                  <a:srgbClr val="FF0000"/>
+                </a:solidFill>
+              </a:rPr>
+              <a:t>动态规划算法 </a:t>
+            </a:r>
+            <a:r>
+              <a:rPr lang="en-US" altLang="zh-CN">
+                <a:solidFill>
+                  <a:srgbClr val="FF0000"/>
+                </a:solidFill>
+              </a:rPr>
+              <a:t>+ </a:t>
+            </a:r>
+            <a:r>
+              <a:rPr lang="zh-CN" altLang="en-US">
+                <a:solidFill>
+                  <a:srgbClr val="FF0000"/>
+                </a:solidFill>
+              </a:rPr>
+              <a:t>策略模式</a:t>
+            </a:r>
+            <a:endParaRPr lang="zh-CN" altLang="en-US">
+              <a:solidFill>
+                <a:srgbClr val="FF0000"/>
+              </a:solidFill>
+            </a:endParaRPr>
+          </a:p>
+        </p:txBody>
+      </p:sp>
+      <p:sp>
+        <p:nvSpPr>
+          <p:cNvPr id="7" name="上箭头 6"/>
+          <p:cNvSpPr/>
+          <p:nvPr/>
+        </p:nvSpPr>
+        <p:spPr>
+          <a:xfrm>
+            <a:off x="2049145" y="4227195"/>
+            <a:ext cx="323215" cy="795655"/>
+          </a:xfrm>
+          <a:prstGeom prst="upArrow">
+            <a:avLst/>
+          </a:prstGeom>
+        </p:spPr>
+        <p:style>
+          <a:lnRef idx="2">
+            <a:schemeClr val="accent1">
+              <a:shade val="50000"/>
+            </a:schemeClr>
+          </a:lnRef>
+          <a:fillRef idx="1">
+            <a:schemeClr val="accent1"/>
+          </a:fillRef>
+          <a:effectRef idx="0">
+            <a:schemeClr val="accent1"/>
+          </a:effectRef>
+          <a:fontRef idx="minor">
+            <a:schemeClr val="lt1"/>
+          </a:fontRef>
+        </p:style>
+        <p:txBody>
+          <a:bodyPr rtlCol="0" anchor="ctr"/>
+          <a:p>
+            <a:pPr algn="ctr"/>
+            <a:endParaRPr lang="zh-CN" altLang="en-US"/>
+          </a:p>
+        </p:txBody>
+      </p:sp>
+      <p:sp>
+        <p:nvSpPr>
+          <p:cNvPr id="8" name="下箭头 7"/>
+          <p:cNvSpPr/>
+          <p:nvPr/>
+        </p:nvSpPr>
+        <p:spPr>
+          <a:xfrm>
+            <a:off x="10190480" y="1893570"/>
+            <a:ext cx="248285" cy="335280"/>
+          </a:xfrm>
+          <a:prstGeom prst="downArrow">
+            <a:avLst/>
+          </a:prstGeom>
+        </p:spPr>
+        <p:style>
+          <a:lnRef idx="2">
+            <a:schemeClr val="accent1">
+              <a:shade val="50000"/>
+            </a:schemeClr>
+          </a:lnRef>
+          <a:fillRef idx="1">
+            <a:schemeClr val="accent1"/>
+          </a:fillRef>
+          <a:effectRef idx="0">
+            <a:schemeClr val="accent1"/>
+          </a:effectRef>
+          <a:fontRef idx="minor">
+            <a:schemeClr val="lt1"/>
+          </a:fontRef>
+        </p:style>
+        <p:txBody>
+          <a:bodyPr rtlCol="0" anchor="ctr"/>
+          <a:p>
+            <a:pPr algn="ctr"/>
+            <a:endParaRPr lang="zh-CN" altLang="en-US"/>
+          </a:p>
+        </p:txBody>
+      </p:sp>
+    </p:spTree>
+  </p:cSld>
+  <p:clrMapOvr>
+    <a:masterClrMapping/>
+  </p:clrMapOvr>
+  <p:transition>
+    <p:fade/>
+  </p:transition>
+  <p:timing>
+    <p:tnLst>
+      <p:par>
+        <p:cTn id="1" dur="indefinite" restart="never" nodeType="tmRoot"/>
+      </p:par>
+    </p:tnLst>
+  </p:timing>
+</p:sld>
+</file>
+
+<file path=ppt/slides/slide13.xml><?xml version="1.0" encoding="utf-8"?>
+<p:sld xmlns:a="http://schemas.openxmlformats.org/drawingml/2006/main" xmlns:r="http://schemas.openxmlformats.org/officeDocument/2006/relationships" xmlns:p="http://schemas.openxmlformats.org/presentationml/2006/main">
+  <p:cSld>
+    <p:spTree>
+      <p:nvGrpSpPr>
+        <p:cNvPr id="1" name=""/>
+        <p:cNvGrpSpPr/>
+        <p:nvPr/>
+      </p:nvGrpSpPr>
+      <p:grpSpPr/>
+      <p:sp>
+        <p:nvSpPr>
+          <p:cNvPr id="4097" name="标题 1"/>
+          <p:cNvSpPr>
+            <a:spLocks noGrp="1"/>
+          </p:cNvSpPr>
+          <p:nvPr>
+            <p:ph type="title"/>
+          </p:nvPr>
+        </p:nvSpPr>
+        <p:spPr/>
+        <p:txBody>
+          <a:bodyPr anchor="ctr"/>
+          <a:p>
+            <a:r>
+              <a:rPr lang="en-US" altLang="zh-CN">
+                <a:sym typeface="+mn-ea"/>
+              </a:rPr>
+              <a:t>know Why</a:t>
+            </a:r>
+            <a:endParaRPr lang="en-US" altLang="zh-CN">
+              <a:sym typeface="+mn-ea"/>
+            </a:endParaRPr>
+          </a:p>
+        </p:txBody>
+      </p:sp>
+      <p:sp>
+        <p:nvSpPr>
+          <p:cNvPr id="19" name="文本框 18"/>
+          <p:cNvSpPr txBox="1"/>
+          <p:nvPr/>
+        </p:nvSpPr>
+        <p:spPr>
+          <a:xfrm>
+            <a:off x="669925" y="1216660"/>
             <a:ext cx="6863080" cy="368300"/>
           </a:xfrm>
           <a:prstGeom prst="rect">
@@ -5916,7 +7227,7 @@
 </p:sld>
 </file>
 
-<file path=ppt/slides/slide12.xml><?xml version="1.0" encoding="utf-8"?>
+<file path=ppt/slides/slide14.xml><?xml version="1.0" encoding="utf-8"?>
 <p:sld xmlns:a="http://schemas.openxmlformats.org/drawingml/2006/main" xmlns:r="http://schemas.openxmlformats.org/officeDocument/2006/relationships" xmlns:p="http://schemas.openxmlformats.org/presentationml/2006/main">
   <p:cSld>
     <p:spTree>
@@ -6134,7 +7445,7 @@
               <a:rPr>
                 <a:sym typeface="+mn-ea"/>
               </a:rPr>
-              <a:t>复习了两个设计模式（模板方法、组合结构）</a:t>
+              <a:t>应用了三个设计模式（模板方法、组合结构、策略模式）</a:t>
             </a:r>
             <a:endParaRPr>
               <a:sym typeface="+mn-ea"/>
@@ -6145,7 +7456,7 @@
               <a:rPr>
                 <a:sym typeface="+mn-ea"/>
               </a:rPr>
-              <a:t>复习了一个算法（动态规划）</a:t>
+              <a:t>应用了一个算法（动态规划）</a:t>
             </a:r>
             <a:endParaRPr>
               <a:sym typeface="+mn-ea"/>
@@ -6156,7 +7467,7 @@
               <a:rPr>
                 <a:sym typeface="+mn-ea"/>
               </a:rPr>
-              <a:t>复习了一个架构（微内核架构</a:t>
+              <a:t>应用了一个架构（微内核架构</a:t>
             </a:r>
             <a:r>
               <a:rPr lang="en-US" altLang="zh-CN">
@@ -6179,7 +7490,7 @@
               <a:rPr>
                 <a:sym typeface="+mn-ea"/>
               </a:rPr>
-              <a:t>得到了一个</a:t>
+              <a:t>得到了一个可扩展的</a:t>
             </a:r>
             <a:r>
               <a:rPr lang="en-US" altLang="zh-CN">
@@ -6215,6 +7526,31 @@
               <a:sym typeface="+mn-ea"/>
             </a:endParaRPr>
           </a:p>
+          <a:p>
+            <a:endParaRPr lang="zh-CN" altLang="en-US"/>
+          </a:p>
+        </p:txBody>
+      </p:sp>
+      <p:sp>
+        <p:nvSpPr>
+          <p:cNvPr id="3" name="文本框 2"/>
+          <p:cNvSpPr txBox="1"/>
+          <p:nvPr/>
+        </p:nvSpPr>
+        <p:spPr>
+          <a:xfrm>
+            <a:off x="7070725" y="1017270"/>
+            <a:ext cx="309880" cy="368300"/>
+          </a:xfrm>
+          <a:prstGeom prst="rect">
+            <a:avLst/>
+          </a:prstGeom>
+          <a:noFill/>
+        </p:spPr>
+        <p:txBody>
+          <a:bodyPr wrap="none" rtlCol="0">
+            <a:spAutoFit/>
+          </a:bodyPr>
           <a:p>
             <a:endParaRPr lang="zh-CN" altLang="en-US"/>
           </a:p>
@@ -6231,7 +7567,7 @@
 </p:sld>
 </file>
 
-<file path=ppt/slides/slide13.xml><?xml version="1.0" encoding="utf-8"?>
+<file path=ppt/slides/slide15.xml><?xml version="1.0" encoding="utf-8"?>
 <p:sld xmlns:a="http://schemas.openxmlformats.org/drawingml/2006/main" xmlns:r="http://schemas.openxmlformats.org/officeDocument/2006/relationships" xmlns:p="http://schemas.openxmlformats.org/presentationml/2006/main">
   <p:cSld>
     <p:spTree>
@@ -6438,7 +7774,7 @@
               <a:rPr>
                 <a:sym typeface="+mn-ea"/>
               </a:rPr>
-              <a:t>迷你促销引擎：https://github.com/qzsang/mini-promotion</a:t>
+              <a:t>迷你可扩展的促销引擎：https://github.com/qzsang/mini-promotion</a:t>
             </a:r>
             <a:endParaRPr>
               <a:sym typeface="+mn-ea"/>
@@ -6465,7 +7801,7 @@
 </p:sld>
 </file>
 
-<file path=ppt/slides/slide14.xml><?xml version="1.0" encoding="utf-8"?>
+<file path=ppt/slides/slide16.xml><?xml version="1.0" encoding="utf-8"?>
 <p:sld xmlns:a="http://schemas.openxmlformats.org/drawingml/2006/main" xmlns:r="http://schemas.openxmlformats.org/officeDocument/2006/relationships" xmlns:p="http://schemas.openxmlformats.org/presentationml/2006/main">
   <p:cSld>
     <p:spTree>
@@ -6709,13 +8045,14 @@
               <a:rPr lang="en-US" altLang="zh-CN"/>
               <a:t>know How)</a:t>
             </a:r>
+            <a:endParaRPr lang="en-US" altLang="zh-CN"/>
           </a:p>
           <a:p>
             <a:r>
               <a:rPr>
                 <a:sym typeface="+mn-ea"/>
               </a:rPr>
-              <a:t>实现引擎</a:t>
+              <a:t>手撸引擎</a:t>
             </a:r>
             <a:r>
               <a:rPr lang="en-US" altLang="zh-CN">
@@ -6734,47 +8071,6 @@
                 <a:sym typeface="+mn-ea"/>
               </a:rPr>
               <a:t>know Why)</a:t>
-            </a:r>
-            <a:endParaRPr>
-              <a:sym typeface="+mn-ea"/>
-            </a:endParaRPr>
-          </a:p>
-          <a:p>
-            <a:r>
-              <a:rPr>
-                <a:sym typeface="+mn-ea"/>
-              </a:rPr>
-              <a:t>反思</a:t>
-            </a:r>
-            <a:r>
-              <a:rPr lang="en-US" altLang="zh-CN">
-                <a:sym typeface="+mn-ea"/>
-              </a:rPr>
-              <a:t>-</a:t>
-            </a:r>
-            <a:r>
-              <a:rPr>
-                <a:sym typeface="+mn-ea"/>
-              </a:rPr>
-              <a:t>算法建模</a:t>
-            </a:r>
-            <a:r>
-              <a:rPr lang="en-US" altLang="zh-CN">
-                <a:sym typeface="+mn-ea"/>
-              </a:rPr>
-              <a:t>(</a:t>
-            </a:r>
-            <a:r>
-              <a:rPr>
-                <a:sym typeface="+mn-ea"/>
-              </a:rPr>
-              <a:t>思路转换</a:t>
-            </a:r>
-            <a:r>
-              <a:rPr lang="en-US" altLang="zh-CN">
-                <a:sym typeface="+mn-ea"/>
-              </a:rPr>
-              <a:t>)</a:t>
             </a:r>
             <a:endParaRPr>
               <a:sym typeface="+mn-ea"/>
@@ -7511,6 +8807,9 @@
               </a:rPr>
               <a:t>背景</a:t>
             </a:r>
+            <a:endParaRPr>
+              <a:sym typeface="+mn-ea"/>
+            </a:endParaRPr>
           </a:p>
         </p:txBody>
       </p:sp>
@@ -8280,6 +9579,9 @@
               </a:rPr>
               <a:t>背景</a:t>
             </a:r>
+            <a:endParaRPr>
+              <a:sym typeface="+mn-ea"/>
+            </a:endParaRPr>
           </a:p>
         </p:txBody>
       </p:sp>
@@ -9157,6 +10459,9 @@
               </a:rPr>
               <a:t>know How</a:t>
             </a:r>
+            <a:endParaRPr lang="en-US" altLang="zh-CN">
+              <a:sym typeface="+mn-ea"/>
+            </a:endParaRPr>
           </a:p>
         </p:txBody>
       </p:sp>
@@ -9192,7 +10497,7 @@
             </a:r>
             <a:r>
               <a:rPr lang="zh-CN" altLang="en-US"/>
-              <a:t>成果图</a:t>
+              <a:t>效果图</a:t>
             </a:r>
             <a:endParaRPr lang="zh-CN" altLang="en-US"/>
           </a:p>
@@ -10352,6 +11657,9 @@
               </a:rPr>
               <a:t>Action</a:t>
             </a:r>
+            <a:endParaRPr>
+              <a:sym typeface="+mn-ea"/>
+            </a:endParaRPr>
           </a:p>
         </p:txBody>
       </p:sp>
@@ -10592,12 +11900,7 @@
             <p:ph type="title"/>
           </p:nvPr>
         </p:nvSpPr>
-        <p:spPr>
-          <a:xfrm>
-            <a:off x="669882" y="444700"/>
-            <a:ext cx="10852237" cy="648000"/>
-          </a:xfrm>
-        </p:spPr>
+        <p:spPr/>
         <p:txBody>
           <a:bodyPr anchor="ctr"/>
           <a:p>
@@ -10622,7 +11925,7 @@
         <p:spPr>
           <a:xfrm>
             <a:off x="669925" y="1216660"/>
-            <a:ext cx="3034030" cy="368300"/>
+            <a:ext cx="3116580" cy="368300"/>
           </a:xfrm>
           <a:prstGeom prst="rect">
             <a:avLst/>
@@ -10637,143 +11940,43 @@
             <a:pPr algn="l"/>
             <a:r>
               <a:rPr lang="zh-CN" altLang="en-US"/>
-              <a:t>一切的基础 </a:t>
+              <a:t>从手撸一个</a:t>
             </a:r>
             <a:r>
               <a:rPr lang="en-US" altLang="zh-CN"/>
-              <a:t>-&gt; </a:t>
+              <a:t>mini</a:t>
             </a:r>
             <a:r>
               <a:rPr lang="zh-CN" altLang="en-US"/>
-              <a:t>模板方法模式</a:t>
-            </a:r>
-            <a:endParaRPr lang="en-US" altLang="zh-CN"/>
-          </a:p>
-        </p:txBody>
-      </p:sp>
-      <p:pic>
-        <p:nvPicPr>
-          <p:cNvPr id="2" name="图片 1"/>
-          <p:cNvPicPr>
-            <a:picLocks noChangeAspect="1"/>
-          </p:cNvPicPr>
-          <p:nvPr/>
-        </p:nvPicPr>
-        <p:blipFill>
-          <a:blip r:embed="rId1"/>
-          <a:stretch>
-            <a:fillRect/>
-          </a:stretch>
-        </p:blipFill>
-        <p:spPr>
-          <a:xfrm>
-            <a:off x="3703955" y="1821180"/>
-            <a:ext cx="8227755" cy="4320000"/>
-          </a:xfrm>
-          <a:prstGeom prst="rect">
-            <a:avLst/>
-          </a:prstGeom>
-        </p:spPr>
-      </p:pic>
-      <p:pic>
-        <p:nvPicPr>
-          <p:cNvPr id="3" name="图片 2"/>
-          <p:cNvPicPr>
-            <a:picLocks noChangeAspect="1"/>
-          </p:cNvPicPr>
-          <p:nvPr/>
-        </p:nvPicPr>
-        <p:blipFill>
-          <a:blip r:embed="rId2"/>
-          <a:stretch>
-            <a:fillRect/>
-          </a:stretch>
-        </p:blipFill>
-        <p:spPr>
-          <a:xfrm>
-            <a:off x="236220" y="2075180"/>
-            <a:ext cx="2870200" cy="2857500"/>
-          </a:xfrm>
-          <a:prstGeom prst="rect">
-            <a:avLst/>
-          </a:prstGeom>
-        </p:spPr>
-      </p:pic>
-      <p:sp>
-        <p:nvSpPr>
-          <p:cNvPr id="4" name="文本框 3"/>
-          <p:cNvSpPr txBox="1"/>
-          <p:nvPr/>
-        </p:nvSpPr>
-        <p:spPr>
-          <a:xfrm>
-            <a:off x="5777865" y="724535"/>
-            <a:ext cx="3078480" cy="368300"/>
-          </a:xfrm>
-          <a:prstGeom prst="rect">
+              <a:t>促销引擎开始</a:t>
+            </a:r>
+            <a:endParaRPr lang="zh-CN" altLang="en-US"/>
+          </a:p>
+        </p:txBody>
+      </p:sp>
+      <p:sp>
+        <p:nvSpPr>
+          <p:cNvPr id="14" name="圆角矩形 13"/>
+          <p:cNvSpPr/>
+          <p:nvPr/>
+        </p:nvSpPr>
+        <p:spPr>
+          <a:xfrm>
+            <a:off x="1551940" y="1873885"/>
+            <a:ext cx="3623310" cy="2016760"/>
+          </a:xfrm>
+          <a:prstGeom prst="roundRect">
             <a:avLst/>
           </a:prstGeom>
           <a:noFill/>
-        </p:spPr>
-        <p:txBody>
-          <a:bodyPr wrap="none" rtlCol="0">
-            <a:spAutoFit/>
-          </a:bodyPr>
-          <a:p>
-            <a:r>
-              <a:rPr lang="zh-CN" altLang="en-US">
-                <a:solidFill>
-                  <a:srgbClr val="FF0000"/>
-                </a:solidFill>
-              </a:rPr>
-              <a:t>唯一一个实现类</a:t>
-            </a:r>
-            <a:r>
-              <a:rPr lang="en-US" altLang="zh-CN">
-                <a:solidFill>
-                  <a:srgbClr val="FF0000"/>
-                </a:solidFill>
-              </a:rPr>
-              <a:t>(</a:t>
-            </a:r>
-            <a:r>
-              <a:rPr lang="zh-CN" altLang="en-US">
-                <a:solidFill>
-                  <a:srgbClr val="FF0000"/>
-                </a:solidFill>
-              </a:rPr>
-              <a:t>结果集不算</a:t>
-            </a:r>
-            <a:r>
-              <a:rPr lang="en-US" altLang="zh-CN">
-                <a:solidFill>
-                  <a:srgbClr val="FF0000"/>
-                </a:solidFill>
-              </a:rPr>
-              <a:t>)</a:t>
-            </a:r>
-            <a:endParaRPr lang="en-US" altLang="zh-CN">
-              <a:solidFill>
-                <a:srgbClr val="FF0000"/>
-              </a:solidFill>
-            </a:endParaRPr>
-          </a:p>
-        </p:txBody>
-      </p:sp>
-      <p:sp>
-        <p:nvSpPr>
-          <p:cNvPr id="5" name="下箭头 4"/>
-          <p:cNvSpPr/>
-          <p:nvPr/>
-        </p:nvSpPr>
-        <p:spPr>
-          <a:xfrm>
-            <a:off x="7108190" y="1309370"/>
-            <a:ext cx="260985" cy="410210"/>
-          </a:xfrm>
-          <a:prstGeom prst="downArrow">
-            <a:avLst/>
-          </a:prstGeom>
+          <a:ln w="12700" cmpd="sng">
+            <a:solidFill>
+              <a:schemeClr val="accent1">
+                <a:shade val="50000"/>
+              </a:schemeClr>
+            </a:solidFill>
+            <a:prstDash val="dash"/>
+          </a:ln>
         </p:spPr>
         <p:style>
           <a:lnRef idx="2">
@@ -10801,16 +12004,16 @@
       </p:sp>
       <p:sp>
         <p:nvSpPr>
-          <p:cNvPr id="6" name="右箭头 5"/>
+          <p:cNvPr id="16" name="椭圆 15"/>
           <p:cNvSpPr/>
           <p:nvPr/>
         </p:nvSpPr>
         <p:spPr>
           <a:xfrm>
-            <a:off x="2807970" y="2874645"/>
-            <a:ext cx="1118235" cy="273685"/>
-          </a:xfrm>
-          <a:prstGeom prst="rightArrow">
+            <a:off x="1824990" y="2331085"/>
+            <a:ext cx="1330325" cy="1332000"/>
+          </a:xfrm>
+          <a:prstGeom prst="ellipse">
             <a:avLst/>
           </a:prstGeom>
         </p:spPr>
@@ -10835,6 +12038,714 @@
           <a:p>
             <a:pPr algn="ctr"/>
             <a:endParaRPr lang="zh-CN" altLang="en-US"/>
+          </a:p>
+        </p:txBody>
+      </p:sp>
+      <p:sp>
+        <p:nvSpPr>
+          <p:cNvPr id="20" name="文本框 19"/>
+          <p:cNvSpPr txBox="1"/>
+          <p:nvPr/>
+        </p:nvSpPr>
+        <p:spPr>
+          <a:xfrm>
+            <a:off x="1916430" y="2809875"/>
+            <a:ext cx="1148080" cy="368300"/>
+          </a:xfrm>
+          <a:prstGeom prst="rect">
+            <a:avLst/>
+          </a:prstGeom>
+          <a:noFill/>
+        </p:spPr>
+        <p:txBody>
+          <a:bodyPr wrap="none" rtlCol="0">
+            <a:spAutoFit/>
+          </a:bodyPr>
+          <a:p>
+            <a:pPr algn="l"/>
+            <a:r>
+              <a:t>Condition</a:t>
+            </a:r>
+          </a:p>
+        </p:txBody>
+      </p:sp>
+      <p:sp>
+        <p:nvSpPr>
+          <p:cNvPr id="21" name="椭圆 20"/>
+          <p:cNvSpPr/>
+          <p:nvPr/>
+        </p:nvSpPr>
+        <p:spPr>
+          <a:xfrm>
+            <a:off x="3593465" y="2331085"/>
+            <a:ext cx="1330325" cy="1332000"/>
+          </a:xfrm>
+          <a:prstGeom prst="ellipse">
+            <a:avLst/>
+          </a:prstGeom>
+        </p:spPr>
+        <p:style>
+          <a:lnRef idx="2">
+            <a:schemeClr val="accent1">
+              <a:shade val="50000"/>
+            </a:schemeClr>
+          </a:lnRef>
+          <a:fillRef idx="1">
+            <a:schemeClr val="accent1"/>
+          </a:fillRef>
+          <a:effectRef idx="0">
+            <a:schemeClr val="accent1"/>
+          </a:effectRef>
+          <a:fontRef idx="minor">
+            <a:schemeClr val="lt1"/>
+          </a:fontRef>
+        </p:style>
+        <p:txBody>
+          <a:bodyPr rtlCol="0" anchor="ctr"/>
+          <a:p>
+            <a:pPr algn="ctr"/>
+            <a:endParaRPr lang="zh-CN" altLang="en-US"/>
+          </a:p>
+        </p:txBody>
+      </p:sp>
+      <p:sp>
+        <p:nvSpPr>
+          <p:cNvPr id="22" name="文本框 21"/>
+          <p:cNvSpPr txBox="1"/>
+          <p:nvPr/>
+        </p:nvSpPr>
+        <p:spPr>
+          <a:xfrm>
+            <a:off x="3862705" y="2793365"/>
+            <a:ext cx="817880" cy="368300"/>
+          </a:xfrm>
+          <a:prstGeom prst="rect">
+            <a:avLst/>
+          </a:prstGeom>
+          <a:noFill/>
+        </p:spPr>
+        <p:txBody>
+          <a:bodyPr wrap="none" rtlCol="0">
+            <a:spAutoFit/>
+          </a:bodyPr>
+          <a:p>
+            <a:pPr algn="l"/>
+            <a:r>
+              <a:t>Action</a:t>
+            </a:r>
+          </a:p>
+        </p:txBody>
+      </p:sp>
+      <p:sp>
+        <p:nvSpPr>
+          <p:cNvPr id="24" name="文本框 23"/>
+          <p:cNvSpPr txBox="1"/>
+          <p:nvPr/>
+        </p:nvSpPr>
+        <p:spPr>
+          <a:xfrm>
+            <a:off x="2762250" y="1962785"/>
+            <a:ext cx="1529080" cy="368300"/>
+          </a:xfrm>
+          <a:prstGeom prst="rect">
+            <a:avLst/>
+          </a:prstGeom>
+          <a:noFill/>
+        </p:spPr>
+        <p:txBody>
+          <a:bodyPr wrap="none" rtlCol="0">
+            <a:spAutoFit/>
+          </a:bodyPr>
+          <a:p>
+            <a:pPr algn="l"/>
+            <a:r>
+              <a:rPr lang="zh-CN" altLang="en-US"/>
+              <a:t>PromotionBill</a:t>
+            </a:r>
+            <a:endParaRPr lang="zh-CN" altLang="en-US"/>
+          </a:p>
+        </p:txBody>
+      </p:sp>
+      <p:sp>
+        <p:nvSpPr>
+          <p:cNvPr id="32" name="圆角矩形 31"/>
+          <p:cNvSpPr/>
+          <p:nvPr/>
+        </p:nvSpPr>
+        <p:spPr>
+          <a:xfrm>
+            <a:off x="6587490" y="1784985"/>
+            <a:ext cx="3623310" cy="2105660"/>
+          </a:xfrm>
+          <a:prstGeom prst="roundRect">
+            <a:avLst/>
+          </a:prstGeom>
+          <a:noFill/>
+          <a:ln w="12700" cmpd="sng">
+            <a:solidFill>
+              <a:schemeClr val="accent1">
+                <a:shade val="50000"/>
+              </a:schemeClr>
+            </a:solidFill>
+            <a:prstDash val="dash"/>
+          </a:ln>
+        </p:spPr>
+        <p:style>
+          <a:lnRef idx="2">
+            <a:schemeClr val="accent1">
+              <a:shade val="50000"/>
+            </a:schemeClr>
+          </a:lnRef>
+          <a:fillRef idx="1">
+            <a:schemeClr val="accent1"/>
+          </a:fillRef>
+          <a:effectRef idx="0">
+            <a:schemeClr val="accent1"/>
+          </a:effectRef>
+          <a:fontRef idx="minor">
+            <a:schemeClr val="lt1"/>
+          </a:fontRef>
+        </p:style>
+        <p:txBody>
+          <a:bodyPr rtlCol="0" anchor="ctr"/>
+          <a:p>
+            <a:pPr algn="ctr"/>
+            <a:endParaRPr lang="zh-CN" altLang="en-US"/>
+          </a:p>
+        </p:txBody>
+      </p:sp>
+      <p:sp>
+        <p:nvSpPr>
+          <p:cNvPr id="33" name="椭圆 32"/>
+          <p:cNvSpPr/>
+          <p:nvPr/>
+        </p:nvSpPr>
+        <p:spPr>
+          <a:xfrm>
+            <a:off x="6860540" y="2242185"/>
+            <a:ext cx="1330325" cy="1332000"/>
+          </a:xfrm>
+          <a:prstGeom prst="ellipse">
+            <a:avLst/>
+          </a:prstGeom>
+        </p:spPr>
+        <p:style>
+          <a:lnRef idx="2">
+            <a:schemeClr val="accent1">
+              <a:shade val="50000"/>
+            </a:schemeClr>
+          </a:lnRef>
+          <a:fillRef idx="1">
+            <a:schemeClr val="accent1"/>
+          </a:fillRef>
+          <a:effectRef idx="0">
+            <a:schemeClr val="accent1"/>
+          </a:effectRef>
+          <a:fontRef idx="minor">
+            <a:schemeClr val="lt1"/>
+          </a:fontRef>
+        </p:style>
+        <p:txBody>
+          <a:bodyPr rtlCol="0" anchor="ctr"/>
+          <a:p>
+            <a:pPr algn="ctr"/>
+            <a:endParaRPr lang="zh-CN" altLang="en-US"/>
+          </a:p>
+        </p:txBody>
+      </p:sp>
+      <p:sp>
+        <p:nvSpPr>
+          <p:cNvPr id="34" name="文本框 33"/>
+          <p:cNvSpPr txBox="1"/>
+          <p:nvPr/>
+        </p:nvSpPr>
+        <p:spPr>
+          <a:xfrm>
+            <a:off x="7021195" y="2720975"/>
+            <a:ext cx="1008380" cy="368300"/>
+          </a:xfrm>
+          <a:prstGeom prst="rect">
+            <a:avLst/>
+          </a:prstGeom>
+          <a:noFill/>
+        </p:spPr>
+        <p:txBody>
+          <a:bodyPr wrap="none" rtlCol="0">
+            <a:spAutoFit/>
+          </a:bodyPr>
+          <a:p>
+            <a:pPr algn="l"/>
+            <a:r>
+              <a:t>Matcher</a:t>
+            </a:r>
+          </a:p>
+        </p:txBody>
+      </p:sp>
+      <p:sp>
+        <p:nvSpPr>
+          <p:cNvPr id="35" name="椭圆 34"/>
+          <p:cNvSpPr/>
+          <p:nvPr/>
+        </p:nvSpPr>
+        <p:spPr>
+          <a:xfrm>
+            <a:off x="8629015" y="2242185"/>
+            <a:ext cx="1330325" cy="1332000"/>
+          </a:xfrm>
+          <a:prstGeom prst="ellipse">
+            <a:avLst/>
+          </a:prstGeom>
+        </p:spPr>
+        <p:style>
+          <a:lnRef idx="2">
+            <a:schemeClr val="accent1">
+              <a:shade val="50000"/>
+            </a:schemeClr>
+          </a:lnRef>
+          <a:fillRef idx="1">
+            <a:schemeClr val="accent1"/>
+          </a:fillRef>
+          <a:effectRef idx="0">
+            <a:schemeClr val="accent1"/>
+          </a:effectRef>
+          <a:fontRef idx="minor">
+            <a:schemeClr val="lt1"/>
+          </a:fontRef>
+        </p:style>
+        <p:txBody>
+          <a:bodyPr rtlCol="0" anchor="ctr"/>
+          <a:p>
+            <a:pPr algn="ctr"/>
+            <a:endParaRPr lang="zh-CN" altLang="en-US"/>
+          </a:p>
+        </p:txBody>
+      </p:sp>
+      <p:sp>
+        <p:nvSpPr>
+          <p:cNvPr id="36" name="文本框 35"/>
+          <p:cNvSpPr txBox="1"/>
+          <p:nvPr/>
+        </p:nvSpPr>
+        <p:spPr>
+          <a:xfrm>
+            <a:off x="8701405" y="2720975"/>
+            <a:ext cx="1186180" cy="368300"/>
+          </a:xfrm>
+          <a:prstGeom prst="rect">
+            <a:avLst/>
+          </a:prstGeom>
+          <a:noFill/>
+        </p:spPr>
+        <p:txBody>
+          <a:bodyPr wrap="none" rtlCol="0">
+            <a:spAutoFit/>
+          </a:bodyPr>
+          <a:p>
+            <a:pPr algn="l"/>
+            <a:r>
+              <a:rPr lang="en-US"/>
+              <a:t>**</a:t>
+            </a:r>
+            <a:r>
+              <a:t>Matcher</a:t>
+            </a:r>
+          </a:p>
+        </p:txBody>
+      </p:sp>
+      <p:sp>
+        <p:nvSpPr>
+          <p:cNvPr id="37" name="文本框 36"/>
+          <p:cNvSpPr txBox="1"/>
+          <p:nvPr/>
+        </p:nvSpPr>
+        <p:spPr>
+          <a:xfrm>
+            <a:off x="7704455" y="1873885"/>
+            <a:ext cx="2011680" cy="368300"/>
+          </a:xfrm>
+          <a:prstGeom prst="rect">
+            <a:avLst/>
+          </a:prstGeom>
+          <a:noFill/>
+        </p:spPr>
+        <p:txBody>
+          <a:bodyPr wrap="none" rtlCol="0">
+            <a:spAutoFit/>
+          </a:bodyPr>
+          <a:p>
+            <a:pPr algn="l"/>
+            <a:r>
+              <a:rPr lang="zh-CN" altLang="en-US"/>
+              <a:t>PromotionContext</a:t>
+            </a:r>
+            <a:endParaRPr lang="zh-CN" altLang="en-US"/>
+          </a:p>
+        </p:txBody>
+      </p:sp>
+      <p:sp>
+        <p:nvSpPr>
+          <p:cNvPr id="38" name="下箭头 37"/>
+          <p:cNvSpPr/>
+          <p:nvPr/>
+        </p:nvSpPr>
+        <p:spPr>
+          <a:xfrm>
+            <a:off x="5607685" y="3084195"/>
+            <a:ext cx="547370" cy="945515"/>
+          </a:xfrm>
+          <a:prstGeom prst="downArrow">
+            <a:avLst/>
+          </a:prstGeom>
+        </p:spPr>
+        <p:style>
+          <a:lnRef idx="2">
+            <a:schemeClr val="accent1">
+              <a:shade val="50000"/>
+            </a:schemeClr>
+          </a:lnRef>
+          <a:fillRef idx="1">
+            <a:schemeClr val="accent1"/>
+          </a:fillRef>
+          <a:effectRef idx="0">
+            <a:schemeClr val="accent1"/>
+          </a:effectRef>
+          <a:fontRef idx="minor">
+            <a:schemeClr val="lt1"/>
+          </a:fontRef>
+        </p:style>
+        <p:txBody>
+          <a:bodyPr rtlCol="0" anchor="ctr"/>
+          <a:p>
+            <a:pPr algn="ctr"/>
+            <a:endParaRPr lang="zh-CN" altLang="en-US"/>
+          </a:p>
+        </p:txBody>
+      </p:sp>
+      <p:sp>
+        <p:nvSpPr>
+          <p:cNvPr id="39" name="圆角矩形 38"/>
+          <p:cNvSpPr/>
+          <p:nvPr/>
+        </p:nvSpPr>
+        <p:spPr>
+          <a:xfrm>
+            <a:off x="3156585" y="4268470"/>
+            <a:ext cx="5338445" cy="1853565"/>
+          </a:xfrm>
+          <a:prstGeom prst="roundRect">
+            <a:avLst/>
+          </a:prstGeom>
+          <a:noFill/>
+          <a:ln w="12700" cmpd="sng">
+            <a:solidFill>
+              <a:schemeClr val="accent1">
+                <a:shade val="50000"/>
+              </a:schemeClr>
+            </a:solidFill>
+            <a:prstDash val="dash"/>
+          </a:ln>
+        </p:spPr>
+        <p:style>
+          <a:lnRef idx="2">
+            <a:schemeClr val="accent1">
+              <a:shade val="50000"/>
+            </a:schemeClr>
+          </a:lnRef>
+          <a:fillRef idx="1">
+            <a:schemeClr val="accent1"/>
+          </a:fillRef>
+          <a:effectRef idx="0">
+            <a:schemeClr val="accent1"/>
+          </a:effectRef>
+          <a:fontRef idx="minor">
+            <a:schemeClr val="lt1"/>
+          </a:fontRef>
+        </p:style>
+        <p:txBody>
+          <a:bodyPr rtlCol="0" anchor="ctr"/>
+          <a:p>
+            <a:pPr algn="ctr"/>
+            <a:endParaRPr lang="zh-CN" altLang="en-US"/>
+          </a:p>
+        </p:txBody>
+      </p:sp>
+      <p:sp>
+        <p:nvSpPr>
+          <p:cNvPr id="40" name="椭圆 39"/>
+          <p:cNvSpPr/>
+          <p:nvPr/>
+        </p:nvSpPr>
+        <p:spPr>
+          <a:xfrm>
+            <a:off x="3429635" y="4636770"/>
+            <a:ext cx="1330325" cy="1332000"/>
+          </a:xfrm>
+          <a:prstGeom prst="ellipse">
+            <a:avLst/>
+          </a:prstGeom>
+        </p:spPr>
+        <p:style>
+          <a:lnRef idx="2">
+            <a:schemeClr val="accent1">
+              <a:shade val="50000"/>
+            </a:schemeClr>
+          </a:lnRef>
+          <a:fillRef idx="1">
+            <a:schemeClr val="accent1"/>
+          </a:fillRef>
+          <a:effectRef idx="0">
+            <a:schemeClr val="accent1"/>
+          </a:effectRef>
+          <a:fontRef idx="minor">
+            <a:schemeClr val="lt1"/>
+          </a:fontRef>
+        </p:style>
+        <p:txBody>
+          <a:bodyPr rtlCol="0" anchor="ctr"/>
+          <a:p>
+            <a:pPr algn="ctr"/>
+            <a:endParaRPr lang="zh-CN" altLang="en-US"/>
+          </a:p>
+        </p:txBody>
+      </p:sp>
+      <p:sp>
+        <p:nvSpPr>
+          <p:cNvPr id="41" name="文本框 40"/>
+          <p:cNvSpPr txBox="1"/>
+          <p:nvPr/>
+        </p:nvSpPr>
+        <p:spPr>
+          <a:xfrm>
+            <a:off x="3685540" y="5118735"/>
+            <a:ext cx="817880" cy="368300"/>
+          </a:xfrm>
+          <a:prstGeom prst="rect">
+            <a:avLst/>
+          </a:prstGeom>
+          <a:noFill/>
+        </p:spPr>
+        <p:txBody>
+          <a:bodyPr wrap="none" rtlCol="0">
+            <a:spAutoFit/>
+          </a:bodyPr>
+          <a:p>
+            <a:pPr algn="l"/>
+            <a:r>
+              <a:rPr>
+                <a:sym typeface="+mn-ea"/>
+              </a:rPr>
+              <a:t>Action</a:t>
+            </a:r>
+            <a:endParaRPr>
+              <a:sym typeface="+mn-ea"/>
+            </a:endParaRPr>
+          </a:p>
+        </p:txBody>
+      </p:sp>
+      <p:sp>
+        <p:nvSpPr>
+          <p:cNvPr id="42" name="椭圆 41"/>
+          <p:cNvSpPr/>
+          <p:nvPr/>
+        </p:nvSpPr>
+        <p:spPr>
+          <a:xfrm>
+            <a:off x="5198110" y="4636770"/>
+            <a:ext cx="1330325" cy="1332000"/>
+          </a:xfrm>
+          <a:prstGeom prst="ellipse">
+            <a:avLst/>
+          </a:prstGeom>
+        </p:spPr>
+        <p:style>
+          <a:lnRef idx="2">
+            <a:schemeClr val="accent1">
+              <a:shade val="50000"/>
+            </a:schemeClr>
+          </a:lnRef>
+          <a:fillRef idx="1">
+            <a:schemeClr val="accent1"/>
+          </a:fillRef>
+          <a:effectRef idx="0">
+            <a:schemeClr val="accent1"/>
+          </a:effectRef>
+          <a:fontRef idx="minor">
+            <a:schemeClr val="lt1"/>
+          </a:fontRef>
+        </p:style>
+        <p:txBody>
+          <a:bodyPr rtlCol="0" anchor="ctr"/>
+          <a:p>
+            <a:pPr algn="ctr"/>
+            <a:endParaRPr lang="zh-CN" altLang="en-US"/>
+          </a:p>
+        </p:txBody>
+      </p:sp>
+      <p:sp>
+        <p:nvSpPr>
+          <p:cNvPr id="43" name="文本框 42"/>
+          <p:cNvSpPr txBox="1"/>
+          <p:nvPr/>
+        </p:nvSpPr>
+        <p:spPr>
+          <a:xfrm>
+            <a:off x="5383530" y="5114290"/>
+            <a:ext cx="995680" cy="368300"/>
+          </a:xfrm>
+          <a:prstGeom prst="rect">
+            <a:avLst/>
+          </a:prstGeom>
+          <a:noFill/>
+        </p:spPr>
+        <p:txBody>
+          <a:bodyPr wrap="none" rtlCol="0">
+            <a:spAutoFit/>
+          </a:bodyPr>
+          <a:p>
+            <a:pPr algn="l"/>
+            <a:r>
+              <a:rPr lang="en-US"/>
+              <a:t>**</a:t>
+            </a:r>
+            <a:r>
+              <a:t>Action</a:t>
+            </a:r>
+          </a:p>
+        </p:txBody>
+      </p:sp>
+      <p:sp>
+        <p:nvSpPr>
+          <p:cNvPr id="44" name="文本框 43"/>
+          <p:cNvSpPr txBox="1"/>
+          <p:nvPr/>
+        </p:nvSpPr>
+        <p:spPr>
+          <a:xfrm>
+            <a:off x="4640580" y="4343400"/>
+            <a:ext cx="830580" cy="368300"/>
+          </a:xfrm>
+          <a:prstGeom prst="rect">
+            <a:avLst/>
+          </a:prstGeom>
+          <a:noFill/>
+        </p:spPr>
+        <p:txBody>
+          <a:bodyPr wrap="none" rtlCol="0">
+            <a:spAutoFit/>
+          </a:bodyPr>
+          <a:p>
+            <a:pPr algn="l"/>
+            <a:r>
+              <a:rPr lang="en-US" altLang="zh-CN"/>
+              <a:t>Result</a:t>
+            </a:r>
+            <a:endParaRPr lang="en-US" altLang="zh-CN"/>
+          </a:p>
+        </p:txBody>
+      </p:sp>
+      <p:sp>
+        <p:nvSpPr>
+          <p:cNvPr id="45" name="椭圆 44"/>
+          <p:cNvSpPr/>
+          <p:nvPr/>
+        </p:nvSpPr>
+        <p:spPr>
+          <a:xfrm>
+            <a:off x="6834505" y="4652010"/>
+            <a:ext cx="1330325" cy="1332000"/>
+          </a:xfrm>
+          <a:prstGeom prst="ellipse">
+            <a:avLst/>
+          </a:prstGeom>
+        </p:spPr>
+        <p:style>
+          <a:lnRef idx="2">
+            <a:schemeClr val="accent1">
+              <a:shade val="50000"/>
+            </a:schemeClr>
+          </a:lnRef>
+          <a:fillRef idx="1">
+            <a:schemeClr val="accent1"/>
+          </a:fillRef>
+          <a:effectRef idx="0">
+            <a:schemeClr val="accent1"/>
+          </a:effectRef>
+          <a:fontRef idx="minor">
+            <a:schemeClr val="lt1"/>
+          </a:fontRef>
+        </p:style>
+        <p:txBody>
+          <a:bodyPr rtlCol="0" anchor="ctr"/>
+          <a:p>
+            <a:pPr algn="ctr"/>
+            <a:endParaRPr lang="zh-CN" altLang="en-US"/>
+          </a:p>
+        </p:txBody>
+      </p:sp>
+      <p:sp>
+        <p:nvSpPr>
+          <p:cNvPr id="46" name="文本框 45"/>
+          <p:cNvSpPr txBox="1"/>
+          <p:nvPr/>
+        </p:nvSpPr>
+        <p:spPr>
+          <a:xfrm>
+            <a:off x="7290435" y="5133975"/>
+            <a:ext cx="436880" cy="368300"/>
+          </a:xfrm>
+          <a:prstGeom prst="rect">
+            <a:avLst/>
+          </a:prstGeom>
+          <a:noFill/>
+        </p:spPr>
+        <p:txBody>
+          <a:bodyPr wrap="none" rtlCol="0">
+            <a:spAutoFit/>
+          </a:bodyPr>
+          <a:p>
+            <a:pPr algn="l"/>
+            <a:r>
+              <a:rPr lang="en-US"/>
+              <a:t>....</a:t>
+            </a:r>
+            <a:endParaRPr lang="en-US"/>
+          </a:p>
+        </p:txBody>
+      </p:sp>
+      <p:sp>
+        <p:nvSpPr>
+          <p:cNvPr id="47" name="文本框 46"/>
+          <p:cNvSpPr txBox="1"/>
+          <p:nvPr/>
+        </p:nvSpPr>
+        <p:spPr>
+          <a:xfrm>
+            <a:off x="5430520" y="2477135"/>
+            <a:ext cx="894080" cy="368300"/>
+          </a:xfrm>
+          <a:prstGeom prst="rect">
+            <a:avLst/>
+          </a:prstGeom>
+          <a:noFill/>
+        </p:spPr>
+        <p:txBody>
+          <a:bodyPr wrap="none" rtlCol="0">
+            <a:spAutoFit/>
+          </a:bodyPr>
+          <a:p>
+            <a:r>
+              <a:rPr lang="en-US" altLang="zh-CN">
+                <a:solidFill>
+                  <a:srgbClr val="FF0000"/>
+                </a:solidFill>
+              </a:rPr>
+              <a:t>Engine</a:t>
+            </a:r>
+            <a:endParaRPr lang="en-US" altLang="zh-CN">
+              <a:solidFill>
+                <a:srgbClr val="FF0000"/>
+              </a:solidFill>
+            </a:endParaRPr>
           </a:p>
         </p:txBody>
       </p:sp>
